--- a/chef-qa-camp.pptx
+++ b/chef-qa-camp.pptx
@@ -238,7 +238,7 @@
           <a:p>
             <a:fld id="{39FE959F-92CB-2443-9077-5C821098BDA1}" type="datetime1">
               <a:rPr lang="en-US" smtClean="0"/>
-              <a:t>6/18/2018</a:t>
+              <a:t>6/19/2018</a:t>
             </a:fld>
             <a:endParaRPr lang="en-US"/>
           </a:p>
@@ -404,7 +404,7 @@
           <a:p>
             <a:fld id="{73036405-68B7-754E-B8DB-8B02AD361CC1}" type="datetime1">
               <a:rPr lang="en-US" smtClean="0"/>
-              <a:t>6/18/2018</a:t>
+              <a:t>6/19/2018</a:t>
             </a:fld>
             <a:endParaRPr lang="en-US"/>
           </a:p>
@@ -737,7 +737,7 @@
           <a:p>
             <a:fld id="{73036405-68B7-754E-B8DB-8B02AD361CC1}" type="datetime1">
               <a:rPr lang="en-US" smtClean="0"/>
-              <a:t>6/18/2018</a:t>
+              <a:t>6/19/2018</a:t>
             </a:fld>
             <a:endParaRPr lang="en-US" dirty="0"/>
           </a:p>
@@ -823,50 +823,7 @@
           <a:bodyPr/>
           <a:lstStyle/>
           <a:p>
-            <a:r>
-              <a:rPr lang="en-US" dirty="0"/>
-              <a:t>Chef is an infrastructure configuration automation tool.</a:t>
-            </a:r>
-          </a:p>
-          <a:p>
-            <a:r>
-              <a:rPr lang="en-US" dirty="0"/>
-              <a:t>Infrastructure as code treats configuration as a first-class citizen. Better organization than custom scripts.</a:t>
-            </a:r>
-          </a:p>
-          <a:p>
-            <a:r>
-              <a:rPr lang="en-US" dirty="0"/>
-              <a:t>Testable code using </a:t>
-            </a:r>
-            <a:r>
-              <a:rPr lang="en-US" dirty="0" err="1"/>
-              <a:t>ChefSpec</a:t>
-            </a:r>
-            <a:r>
-              <a:rPr lang="en-US" dirty="0"/>
-              <a:t> for unit testing and </a:t>
-            </a:r>
-            <a:r>
-              <a:rPr lang="en-US" dirty="0" err="1"/>
-              <a:t>InSpec</a:t>
-            </a:r>
-            <a:r>
-              <a:rPr lang="en-US" dirty="0"/>
-              <a:t> for integration testing and compliance. Test Kitchen is the test harness provided with Chef. Automated testing for the automation.</a:t>
-            </a:r>
-          </a:p>
-          <a:p>
-            <a:r>
-              <a:rPr lang="en-US" dirty="0"/>
-              <a:t>Compliance means ensuring that nodes with the same configuration are identical.</a:t>
-            </a:r>
-          </a:p>
-          <a:p>
-            <a:r>
-              <a:rPr lang="en-US" dirty="0"/>
-              <a:t>Chef code extends Ruby. Chef code can contain normal Ruby structures.</a:t>
-            </a:r>
+            <a:endParaRPr lang="en-US" dirty="0"/>
           </a:p>
         </p:txBody>
       </p:sp>
@@ -887,7 +844,7 @@
           <a:p>
             <a:fld id="{73036405-68B7-754E-B8DB-8B02AD361CC1}" type="datetime1">
               <a:rPr lang="en-US" smtClean="0"/>
-              <a:t>6/18/2018</a:t>
+              <a:t>6/19/2018</a:t>
             </a:fld>
             <a:endParaRPr lang="en-US"/>
           </a:p>
@@ -1323,7 +1280,7 @@
           <a:p>
             <a:fld id="{73036405-68B7-754E-B8DB-8B02AD361CC1}" type="datetime1">
               <a:rPr lang="en-US" smtClean="0"/>
-              <a:t>6/18/2018</a:t>
+              <a:t>6/19/2018</a:t>
             </a:fld>
             <a:endParaRPr lang="en-US"/>
           </a:p>
@@ -1467,7 +1424,7 @@
           <a:p>
             <a:fld id="{73036405-68B7-754E-B8DB-8B02AD361CC1}" type="datetime1">
               <a:rPr lang="en-US" smtClean="0"/>
-              <a:t>6/18/2018</a:t>
+              <a:t>6/19/2018</a:t>
             </a:fld>
             <a:endParaRPr lang="en-US"/>
           </a:p>
@@ -1710,7 +1667,7 @@
           <a:p>
             <a:fld id="{73036405-68B7-754E-B8DB-8B02AD361CC1}" type="datetime1">
               <a:rPr lang="en-US" smtClean="0"/>
-              <a:t>6/18/2018</a:t>
+              <a:t>6/19/2018</a:t>
             </a:fld>
             <a:endParaRPr lang="en-US"/>
           </a:p>
@@ -7070,12 +7027,6 @@
               <a:t>Experience with Chef since 2016</a:t>
             </a:r>
           </a:p>
-          <a:p>
-            <a:r>
-              <a:rPr lang="en-US" dirty="0"/>
-              <a:t>Previous experience in full stack development; mainly C#</a:t>
-            </a:r>
-          </a:p>
         </p:txBody>
       </p:sp>
       <p:sp>
@@ -7841,6 +7792,34 @@
       </p:grpSpPr>
       <p:sp>
         <p:nvSpPr>
+          <p:cNvPr id="4" name="Title 3">
+            <a:extLst>
+              <a:ext uri="{FF2B5EF4-FFF2-40B4-BE49-F238E27FC236}">
+                <a16:creationId xmlns:a16="http://schemas.microsoft.com/office/drawing/2014/main" id="{F6CBE1BB-3B85-4277-A077-A95B0843161E}"/>
+              </a:ext>
+            </a:extLst>
+          </p:cNvPr>
+          <p:cNvSpPr>
+            <a:spLocks noGrp="1"/>
+          </p:cNvSpPr>
+          <p:nvPr>
+            <p:ph type="title"/>
+          </p:nvPr>
+        </p:nvSpPr>
+        <p:spPr/>
+        <p:txBody>
+          <a:bodyPr/>
+          <a:lstStyle/>
+          <a:p>
+            <a:r>
+              <a:rPr lang="en-US" dirty="0"/>
+              <a:t>Questions?</a:t>
+            </a:r>
+          </a:p>
+        </p:txBody>
+      </p:sp>
+      <p:sp>
+        <p:nvSpPr>
           <p:cNvPr id="2" name="Text Placeholder 1">
             <a:extLst>
               <a:ext uri="{FF2B5EF4-FFF2-40B4-BE49-F238E27FC236}">
@@ -7852,27 +7831,52 @@
             <a:spLocks noGrp="1"/>
           </p:cNvSpPr>
           <p:nvPr>
-            <p:ph type="body" sz="quarter" idx="4294967295"/>
+            <p:ph type="body" sz="quarter" idx="10"/>
           </p:nvPr>
         </p:nvSpPr>
-        <p:spPr>
-          <a:xfrm>
-            <a:off x="3665349" y="2199723"/>
-            <a:ext cx="1813302" cy="744054"/>
-          </a:xfrm>
-        </p:spPr>
+        <p:spPr/>
         <p:txBody>
           <a:bodyPr>
-            <a:normAutofit/>
+            <a:noAutofit/>
           </a:bodyPr>
           <a:lstStyle/>
           <a:p>
             <a:pPr marL="0" indent="0" algn="ctr">
               <a:buNone/>
             </a:pPr>
-            <a:r>
-              <a:rPr lang="en-US" dirty="0"/>
-              <a:t>Questions?</a:t>
+            <a:endParaRPr lang="en-US" sz="3600" dirty="0"/>
+          </a:p>
+          <a:p>
+            <a:pPr marL="0" indent="0" algn="ctr">
+              <a:buNone/>
+            </a:pPr>
+            <a:r>
+              <a:rPr lang="en-US" sz="3600" dirty="0"/>
+              <a:t>https://chef.io</a:t>
+            </a:r>
+          </a:p>
+          <a:p>
+            <a:pPr marL="0" indent="0" algn="ctr">
+              <a:buNone/>
+            </a:pPr>
+            <a:r>
+              <a:rPr lang="en-US" sz="3600" dirty="0"/>
+              <a:t>https://learn.chef.io</a:t>
+            </a:r>
+          </a:p>
+          <a:p>
+            <a:pPr marL="0" indent="0" algn="ctr">
+              <a:buNone/>
+            </a:pPr>
+            <a:endParaRPr lang="en-US" sz="3600" dirty="0"/>
+          </a:p>
+          <a:p>
+            <a:pPr marL="0" indent="0" algn="ctr">
+              <a:buNone/>
+            </a:pPr>
+            <a:r>
+              <a:rPr lang="en-US" sz="2400" dirty="0"/>
+              <a:t>corey.sullivan@centare.com</a:t>
             </a:r>
           </a:p>
         </p:txBody>
@@ -8995,21 +8999,21 @@
 </file>
 
 <file path=customXml/item2.xml><?xml version="1.0" encoding="utf-8"?>
+<p:properties xmlns:p="http://schemas.microsoft.com/office/2006/metadata/properties" xmlns:xsi="http://www.w3.org/2001/XMLSchema-instance" xmlns:pc="http://schemas.microsoft.com/office/infopath/2007/PartnerControls">
+  <documentManagement>
+    <_Version xmlns="http://schemas.microsoft.com/sharepoint/v3/fields" xsi:nil="true"/>
+    <_Status xmlns="http://schemas.microsoft.com/sharepoint/v3/fields">Not Started</_Status>
+  </documentManagement>
+</p:properties>
+</file>
+
+<file path=customXml/item3.xml><?xml version="1.0" encoding="utf-8"?>
 <?mso-contentType ?>
 <FormTemplates xmlns="http://schemas.microsoft.com/sharepoint/v3/contenttype/forms">
   <Display>DocumentLibraryForm</Display>
   <Edit>DocumentLibraryForm</Edit>
   <New>DocumentLibraryForm</New>
 </FormTemplates>
-</file>
-
-<file path=customXml/item3.xml><?xml version="1.0" encoding="utf-8"?>
-<p:properties xmlns:p="http://schemas.microsoft.com/office/2006/metadata/properties" xmlns:xsi="http://www.w3.org/2001/XMLSchema-instance" xmlns:pc="http://schemas.microsoft.com/office/infopath/2007/PartnerControls">
-  <documentManagement>
-    <_Version xmlns="http://schemas.microsoft.com/sharepoint/v3/fields" xsi:nil="true"/>
-    <_Status xmlns="http://schemas.microsoft.com/sharepoint/v3/fields">Not Started</_Status>
-  </documentManagement>
-</p:properties>
 </file>
 
 <file path=customXml/itemProps1.xml><?xml version="1.0" encoding="utf-8"?>
@@ -9031,14 +9035,6 @@
 </file>
 
 <file path=customXml/itemProps2.xml><?xml version="1.0" encoding="utf-8"?>
-<ds:datastoreItem xmlns:ds="http://schemas.openxmlformats.org/officeDocument/2006/customXml" ds:itemID="{87D2A1B0-FF3E-4009-940D-AED0EB70AA20}">
-  <ds:schemaRefs>
-    <ds:schemaRef ds:uri="http://schemas.microsoft.com/sharepoint/v3/contenttype/forms"/>
-  </ds:schemaRefs>
-</ds:datastoreItem>
-</file>
-
-<file path=customXml/itemProps3.xml><?xml version="1.0" encoding="utf-8"?>
 <ds:datastoreItem xmlns:ds="http://schemas.openxmlformats.org/officeDocument/2006/customXml" ds:itemID="{7B6F2769-7194-4217-93D3-3AF3A4742282}">
   <ds:schemaRefs>
     <ds:schemaRef ds:uri="http://purl.org/dc/dcmitype/"/>
@@ -9052,4 +9048,12 @@
     <ds:schemaRef ds:uri="http://www.w3.org/XML/1998/namespace"/>
   </ds:schemaRefs>
 </ds:datastoreItem>
+</file>
+
+<file path=customXml/itemProps3.xml><?xml version="1.0" encoding="utf-8"?>
+<ds:datastoreItem xmlns:ds="http://schemas.openxmlformats.org/officeDocument/2006/customXml" ds:itemID="{87D2A1B0-FF3E-4009-940D-AED0EB70AA20}">
+  <ds:schemaRefs>
+    <ds:schemaRef ds:uri="http://schemas.microsoft.com/sharepoint/v3/contenttype/forms"/>
+  </ds:schemaRefs>
+</ds:datastoreItem>
 </file>
--- a/chef-qa-camp.pptx
+++ b/chef-qa-camp.pptx
@@ -5,22 +5,23 @@
     <p:sldMasterId id="2147493493" r:id="rId4"/>
   </p:sldMasterIdLst>
   <p:notesMasterIdLst>
-    <p:notesMasterId r:id="rId15"/>
+    <p:notesMasterId r:id="rId16"/>
   </p:notesMasterIdLst>
   <p:handoutMasterIdLst>
-    <p:handoutMasterId r:id="rId16"/>
+    <p:handoutMasterId r:id="rId17"/>
   </p:handoutMasterIdLst>
   <p:sldIdLst>
     <p:sldId id="256" r:id="rId5"/>
     <p:sldId id="387" r:id="rId6"/>
-    <p:sldId id="394" r:id="rId7"/>
-    <p:sldId id="388" r:id="rId8"/>
-    <p:sldId id="389" r:id="rId9"/>
-    <p:sldId id="390" r:id="rId10"/>
-    <p:sldId id="391" r:id="rId11"/>
-    <p:sldId id="392" r:id="rId12"/>
-    <p:sldId id="393" r:id="rId13"/>
-    <p:sldId id="386" r:id="rId14"/>
+    <p:sldId id="395" r:id="rId7"/>
+    <p:sldId id="394" r:id="rId8"/>
+    <p:sldId id="388" r:id="rId9"/>
+    <p:sldId id="389" r:id="rId10"/>
+    <p:sldId id="390" r:id="rId11"/>
+    <p:sldId id="391" r:id="rId12"/>
+    <p:sldId id="392" r:id="rId13"/>
+    <p:sldId id="393" r:id="rId14"/>
+    <p:sldId id="386" r:id="rId15"/>
   </p:sldIdLst>
   <p:sldSz cx="9144000" cy="5143500" type="screen16x9"/>
   <p:notesSz cx="7010400" cy="9372600"/>
@@ -126,6 +127,7 @@
           <p14:sldIdLst>
             <p14:sldId id="256"/>
             <p14:sldId id="387"/>
+            <p14:sldId id="395"/>
             <p14:sldId id="394"/>
             <p14:sldId id="388"/>
             <p14:sldId id="389"/>
@@ -1017,7 +1019,7 @@
           <a:p>
             <a:fld id="{1C36436F-DEA9-034E-BBEF-5F7138705312}" type="slidenum">
               <a:rPr lang="en-US" smtClean="0"/>
-              <a:t>3</a:t>
+              <a:t>4</a:t>
             </a:fld>
             <a:endParaRPr lang="en-US"/>
           </a:p>
@@ -1139,7 +1141,7 @@
           <a:p>
             <a:fld id="{1C36436F-DEA9-034E-BBEF-5F7138705312}" type="slidenum">
               <a:rPr lang="en-US" smtClean="0"/>
-              <a:t>4</a:t>
+              <a:t>5</a:t>
             </a:fld>
             <a:endParaRPr lang="en-US"/>
           </a:p>
@@ -1303,7 +1305,7 @@
           <a:p>
             <a:fld id="{1C36436F-DEA9-034E-BBEF-5F7138705312}" type="slidenum">
               <a:rPr lang="en-US" smtClean="0"/>
-              <a:t>5</a:t>
+              <a:t>6</a:t>
             </a:fld>
             <a:endParaRPr lang="en-US"/>
           </a:p>
@@ -1447,7 +1449,7 @@
           <a:p>
             <a:fld id="{1C36436F-DEA9-034E-BBEF-5F7138705312}" type="slidenum">
               <a:rPr lang="en-US" smtClean="0"/>
-              <a:t>6</a:t>
+              <a:t>7</a:t>
             </a:fld>
             <a:endParaRPr lang="en-US"/>
           </a:p>
@@ -1554,7 +1556,7 @@
           <a:p>
             <a:fld id="{1C36436F-DEA9-034E-BBEF-5F7138705312}" type="slidenum">
               <a:rPr lang="en-US" smtClean="0"/>
-              <a:t>7</a:t>
+              <a:t>8</a:t>
             </a:fld>
             <a:endParaRPr lang="en-US"/>
           </a:p>
@@ -1690,7 +1692,7 @@
           <a:p>
             <a:fld id="{1C36436F-DEA9-034E-BBEF-5F7138705312}" type="slidenum">
               <a:rPr lang="en-US" smtClean="0"/>
-              <a:t>8</a:t>
+              <a:t>9</a:t>
             </a:fld>
             <a:endParaRPr lang="en-US"/>
           </a:p>
@@ -1826,7 +1828,7 @@
           <a:p>
             <a:fld id="{1C36436F-DEA9-034E-BBEF-5F7138705312}" type="slidenum">
               <a:rPr lang="en-US" smtClean="0"/>
-              <a:t>9</a:t>
+              <a:t>10</a:t>
             </a:fld>
             <a:endParaRPr lang="en-US"/>
           </a:p>
@@ -6925,6 +6927,127 @@
       </p:grpSpPr>
       <p:sp>
         <p:nvSpPr>
+          <p:cNvPr id="4" name="Title 3">
+            <a:extLst>
+              <a:ext uri="{FF2B5EF4-FFF2-40B4-BE49-F238E27FC236}">
+                <a16:creationId xmlns:a16="http://schemas.microsoft.com/office/drawing/2014/main" id="{F6CBE1BB-3B85-4277-A077-A95B0843161E}"/>
+              </a:ext>
+            </a:extLst>
+          </p:cNvPr>
+          <p:cNvSpPr>
+            <a:spLocks noGrp="1"/>
+          </p:cNvSpPr>
+          <p:nvPr>
+            <p:ph type="title"/>
+          </p:nvPr>
+        </p:nvSpPr>
+        <p:spPr/>
+        <p:txBody>
+          <a:bodyPr/>
+          <a:lstStyle/>
+          <a:p>
+            <a:r>
+              <a:rPr lang="en-US" dirty="0"/>
+              <a:t>Questions?</a:t>
+            </a:r>
+          </a:p>
+        </p:txBody>
+      </p:sp>
+      <p:sp>
+        <p:nvSpPr>
+          <p:cNvPr id="2" name="Text Placeholder 1">
+            <a:extLst>
+              <a:ext uri="{FF2B5EF4-FFF2-40B4-BE49-F238E27FC236}">
+                <a16:creationId xmlns:a16="http://schemas.microsoft.com/office/drawing/2014/main" id="{737FAFFC-A303-40D3-9011-723640C1D727}"/>
+              </a:ext>
+            </a:extLst>
+          </p:cNvPr>
+          <p:cNvSpPr>
+            <a:spLocks noGrp="1"/>
+          </p:cNvSpPr>
+          <p:nvPr>
+            <p:ph type="body" sz="quarter" idx="10"/>
+          </p:nvPr>
+        </p:nvSpPr>
+        <p:spPr/>
+        <p:txBody>
+          <a:bodyPr>
+            <a:noAutofit/>
+          </a:bodyPr>
+          <a:lstStyle/>
+          <a:p>
+            <a:pPr marL="0" indent="0" algn="ctr">
+              <a:buNone/>
+            </a:pPr>
+            <a:endParaRPr lang="en-US" sz="3600" dirty="0"/>
+          </a:p>
+          <a:p>
+            <a:pPr marL="0" indent="0" algn="ctr">
+              <a:buNone/>
+            </a:pPr>
+            <a:r>
+              <a:rPr lang="en-US" sz="3600" dirty="0"/>
+              <a:t>https://chef.io</a:t>
+            </a:r>
+          </a:p>
+          <a:p>
+            <a:pPr marL="0" indent="0" algn="ctr">
+              <a:buNone/>
+            </a:pPr>
+            <a:r>
+              <a:rPr lang="en-US" sz="3600" dirty="0"/>
+              <a:t>https://learn.chef.io</a:t>
+            </a:r>
+          </a:p>
+          <a:p>
+            <a:pPr marL="0" indent="0" algn="ctr">
+              <a:buNone/>
+            </a:pPr>
+            <a:endParaRPr lang="en-US" sz="3600" dirty="0"/>
+          </a:p>
+          <a:p>
+            <a:pPr marL="0" indent="0" algn="ctr">
+              <a:buNone/>
+            </a:pPr>
+            <a:r>
+              <a:rPr lang="en-US" sz="2400" dirty="0"/>
+              <a:t>corey.sullivan@centare.com</a:t>
+            </a:r>
+          </a:p>
+        </p:txBody>
+      </p:sp>
+    </p:spTree>
+    <p:extLst>
+      <p:ext uri="{BB962C8B-B14F-4D97-AF65-F5344CB8AC3E}">
+        <p14:creationId xmlns:p14="http://schemas.microsoft.com/office/powerpoint/2010/main" val="3925104244"/>
+      </p:ext>
+    </p:extLst>
+  </p:cSld>
+  <p:clrMapOvr>
+    <a:masterClrMapping/>
+  </p:clrMapOvr>
+</p:sld>
+</file>
+
+<file path=ppt/slides/slide11.xml><?xml version="1.0" encoding="utf-8"?>
+<p:sld xmlns:a="http://schemas.openxmlformats.org/drawingml/2006/main" xmlns:r="http://schemas.openxmlformats.org/officeDocument/2006/relationships" xmlns:p="http://schemas.openxmlformats.org/presentationml/2006/main">
+  <p:cSld>
+    <p:spTree>
+      <p:nvGrpSpPr>
+        <p:cNvPr id="1" name=""/>
+        <p:cNvGrpSpPr/>
+        <p:nvPr/>
+      </p:nvGrpSpPr>
+      <p:grpSpPr>
+        <a:xfrm>
+          <a:off x="0" y="0"/>
+          <a:ext cx="0" cy="0"/>
+          <a:chOff x="0" y="0"/>
+          <a:chExt cx="0" cy="0"/>
+        </a:xfrm>
+      </p:grpSpPr>
+      <p:sp>
+        <p:nvSpPr>
           <p:cNvPr id="2" name="Title 1"/>
           <p:cNvSpPr>
             <a:spLocks noGrp="1"/>
@@ -7089,10 +7212,10 @@
       </p:grpSpPr>
       <p:sp>
         <p:nvSpPr>
-          <p:cNvPr id="2" name="Text Placeholder 1">
+          <p:cNvPr id="2" name="Title 1">
             <a:extLst>
               <a:ext uri="{FF2B5EF4-FFF2-40B4-BE49-F238E27FC236}">
-                <a16:creationId xmlns:a16="http://schemas.microsoft.com/office/drawing/2014/main" id="{737FAFFC-A303-40D3-9011-723640C1D727}"/>
+                <a16:creationId xmlns:a16="http://schemas.microsoft.com/office/drawing/2014/main" id="{9ECBAC36-FFEF-4A3F-9F19-051011DC7968}"/>
               </a:ext>
             </a:extLst>
           </p:cNvPr>
@@ -7100,7 +7223,7 @@
             <a:spLocks noGrp="1"/>
           </p:cNvSpPr>
           <p:nvPr>
-            <p:ph type="body" sz="quarter" idx="10"/>
+            <p:ph type="title"/>
           </p:nvPr>
         </p:nvSpPr>
         <p:spPr/>
@@ -7109,56 +7232,19 @@
           <a:lstStyle/>
           <a:p>
             <a:r>
-              <a:rPr lang="en-US" dirty="0"/>
-              <a:t>Infrastructure as Code</a:t>
-            </a:r>
-          </a:p>
-          <a:p>
-            <a:pPr lvl="1"/>
-            <a:r>
-              <a:rPr lang="en-US" dirty="0"/>
-              <a:t>Automated Infrastructure Configuration</a:t>
-            </a:r>
-          </a:p>
-          <a:p>
-            <a:r>
-              <a:rPr lang="en-US" dirty="0"/>
-              <a:t>Includes Testing Framework</a:t>
-            </a:r>
-          </a:p>
-          <a:p>
-            <a:pPr lvl="1"/>
-            <a:r>
-              <a:rPr lang="en-US" dirty="0"/>
-              <a:t>Test Kitchen</a:t>
-            </a:r>
-          </a:p>
-          <a:p>
-            <a:pPr lvl="1"/>
-            <a:r>
-              <a:rPr lang="en-US" dirty="0"/>
-              <a:t>Compliance with </a:t>
-            </a:r>
-            <a:r>
               <a:rPr lang="en-US" dirty="0" err="1"/>
-              <a:t>InSpec</a:t>
+              <a:t>DevOPS</a:t>
             </a:r>
             <a:endParaRPr lang="en-US" dirty="0"/>
           </a:p>
-          <a:p>
-            <a:r>
-              <a:rPr lang="en-US" dirty="0"/>
-              <a:t>Written in Ruby</a:t>
-            </a:r>
-          </a:p>
         </p:txBody>
       </p:sp>
       <p:sp>
         <p:nvSpPr>
-          <p:cNvPr id="3" name="Title 2">
+          <p:cNvPr id="3" name="Text Placeholder 2">
             <a:extLst>
               <a:ext uri="{FF2B5EF4-FFF2-40B4-BE49-F238E27FC236}">
-                <a16:creationId xmlns:a16="http://schemas.microsoft.com/office/drawing/2014/main" id="{43DB32CC-EAD9-48E4-9020-75F2BA57460C}"/>
+                <a16:creationId xmlns:a16="http://schemas.microsoft.com/office/drawing/2014/main" id="{DC3D1597-A005-457C-8B65-4D026D4722B2}"/>
               </a:ext>
             </a:extLst>
           </p:cNvPr>
@@ -7166,25 +7252,102 @@
             <a:spLocks noGrp="1"/>
           </p:cNvSpPr>
           <p:nvPr>
-            <p:ph type="title"/>
+            <p:ph type="body" sz="quarter" idx="10"/>
           </p:nvPr>
         </p:nvSpPr>
-        <p:spPr/>
+        <p:spPr>
+          <a:xfrm>
+            <a:off x="457200" y="796019"/>
+            <a:ext cx="4114800" cy="3978048"/>
+          </a:xfrm>
+        </p:spPr>
         <p:txBody>
           <a:bodyPr/>
           <a:lstStyle/>
           <a:p>
             <a:r>
               <a:rPr lang="en-US" dirty="0"/>
-              <a:t>What is Chef?</a:t>
+              <a:t>Development</a:t>
+            </a:r>
+          </a:p>
+          <a:p>
+            <a:pPr lvl="1"/>
+            <a:r>
+              <a:rPr lang="en-US" dirty="0"/>
+              <a:t>Seeks change</a:t>
+            </a:r>
+          </a:p>
+          <a:p>
+            <a:r>
+              <a:rPr lang="en-US" dirty="0"/>
+              <a:t>QA</a:t>
+            </a:r>
+          </a:p>
+          <a:p>
+            <a:pPr lvl="1"/>
+            <a:r>
+              <a:rPr lang="en-US" dirty="0"/>
+              <a:t>Seeks risk reduction</a:t>
+            </a:r>
+          </a:p>
+          <a:p>
+            <a:r>
+              <a:rPr lang="en-US" dirty="0"/>
+              <a:t>Operations</a:t>
+            </a:r>
+          </a:p>
+          <a:p>
+            <a:pPr lvl="1"/>
+            <a:r>
+              <a:rPr lang="en-US" dirty="0"/>
+              <a:t>Seeks organizational stability</a:t>
             </a:r>
           </a:p>
         </p:txBody>
       </p:sp>
+      <p:pic>
+        <p:nvPicPr>
+          <p:cNvPr id="5" name="Content Placeholder 10">
+            <a:extLst>
+              <a:ext uri="{FF2B5EF4-FFF2-40B4-BE49-F238E27FC236}">
+                <a16:creationId xmlns:a16="http://schemas.microsoft.com/office/drawing/2014/main" id="{B15ACE5D-2A0D-49AB-8AE7-F75695D56960}"/>
+              </a:ext>
+            </a:extLst>
+          </p:cNvPr>
+          <p:cNvPicPr>
+            <a:picLocks noChangeAspect="1"/>
+          </p:cNvPicPr>
+          <p:nvPr/>
+        </p:nvPicPr>
+        <p:blipFill>
+          <a:blip r:embed="rId2">
+            <a:extLst>
+              <a:ext uri="{28A0092B-C50C-407E-A947-70E740481C1C}">
+                <a14:useLocalDpi xmlns:a14="http://schemas.microsoft.com/office/drawing/2010/main" val="0"/>
+              </a:ext>
+              <a:ext uri="{96DAC541-7B7A-43D3-8B79-37D633B846F1}">
+                <asvg:svgBlip xmlns:asvg="http://schemas.microsoft.com/office/drawing/2016/SVG/main" r:embed="rId3"/>
+              </a:ext>
+            </a:extLst>
+          </a:blip>
+          <a:stretch>
+            <a:fillRect/>
+          </a:stretch>
+        </p:blipFill>
+        <p:spPr>
+          <a:xfrm>
+            <a:off x="4815840" y="975293"/>
+            <a:ext cx="3810000" cy="3619500"/>
+          </a:xfrm>
+          <a:prstGeom prst="rect">
+            <a:avLst/>
+          </a:prstGeom>
+        </p:spPr>
+      </p:pic>
     </p:spTree>
     <p:extLst>
       <p:ext uri="{BB962C8B-B14F-4D97-AF65-F5344CB8AC3E}">
-        <p14:creationId xmlns:p14="http://schemas.microsoft.com/office/powerpoint/2010/main" val="1692406117"/>
+        <p14:creationId xmlns:p14="http://schemas.microsoft.com/office/powerpoint/2010/main" val="3892329714"/>
       </p:ext>
     </p:extLst>
   </p:cSld>
@@ -7229,26 +7392,50 @@
         </p:nvSpPr>
         <p:spPr/>
         <p:txBody>
-          <a:bodyPr>
-            <a:normAutofit/>
-          </a:bodyPr>
+          <a:bodyPr/>
           <a:lstStyle/>
           <a:p>
             <a:r>
               <a:rPr lang="en-US" dirty="0"/>
-              <a:t>Increases productivity</a:t>
-            </a:r>
-          </a:p>
-          <a:p>
-            <a:r>
-              <a:rPr lang="en-US" dirty="0"/>
-              <a:t>Increases consistency</a:t>
-            </a:r>
-          </a:p>
-          <a:p>
-            <a:r>
-              <a:rPr lang="en-US" dirty="0"/>
-              <a:t>Increases confidence</a:t>
+              <a:t>Infrastructure as Code</a:t>
+            </a:r>
+          </a:p>
+          <a:p>
+            <a:pPr lvl="1"/>
+            <a:r>
+              <a:rPr lang="en-US" dirty="0"/>
+              <a:t>Automated Infrastructure Configuration</a:t>
+            </a:r>
+          </a:p>
+          <a:p>
+            <a:r>
+              <a:rPr lang="en-US" dirty="0"/>
+              <a:t>Includes Testing Framework</a:t>
+            </a:r>
+          </a:p>
+          <a:p>
+            <a:pPr lvl="1"/>
+            <a:r>
+              <a:rPr lang="en-US" dirty="0"/>
+              <a:t>Test Kitchen</a:t>
+            </a:r>
+          </a:p>
+          <a:p>
+            <a:pPr lvl="1"/>
+            <a:r>
+              <a:rPr lang="en-US" dirty="0"/>
+              <a:t>Compliance with </a:t>
+            </a:r>
+            <a:r>
+              <a:rPr lang="en-US" dirty="0" err="1"/>
+              <a:t>InSpec</a:t>
+            </a:r>
+            <a:endParaRPr lang="en-US" dirty="0"/>
+          </a:p>
+          <a:p>
+            <a:r>
+              <a:rPr lang="en-US" dirty="0"/>
+              <a:t>Written in Ruby</a:t>
             </a:r>
           </a:p>
         </p:txBody>
@@ -7276,7 +7463,7 @@
           <a:p>
             <a:r>
               <a:rPr lang="en-US" dirty="0"/>
-              <a:t>Why Chef?</a:t>
+              <a:t>What is Chef?</a:t>
             </a:r>
           </a:p>
         </p:txBody>
@@ -7284,7 +7471,7 @@
     </p:spTree>
     <p:extLst>
       <p:ext uri="{BB962C8B-B14F-4D97-AF65-F5344CB8AC3E}">
-        <p14:creationId xmlns:p14="http://schemas.microsoft.com/office/powerpoint/2010/main" val="4099515151"/>
+        <p14:creationId xmlns:p14="http://schemas.microsoft.com/office/powerpoint/2010/main" val="1692406117"/>
       </p:ext>
     </p:extLst>
   </p:cSld>
@@ -7330,56 +7517,25 @@
         <p:spPr/>
         <p:txBody>
           <a:bodyPr>
-            <a:normAutofit fontScale="85000" lnSpcReduction="20000"/>
+            <a:normAutofit/>
           </a:bodyPr>
           <a:lstStyle/>
           <a:p>
             <a:r>
               <a:rPr lang="en-US" dirty="0"/>
-              <a:t>Nodes – final result of a Chef run</a:t>
-            </a:r>
-          </a:p>
-          <a:p>
-            <a:pPr lvl="1"/>
-            <a:r>
-              <a:rPr lang="en-US" dirty="0"/>
-              <a:t>Run list</a:t>
-            </a:r>
-          </a:p>
-          <a:p>
-            <a:r>
-              <a:rPr lang="en-US" dirty="0"/>
-              <a:t>Attributes – data</a:t>
-            </a:r>
-          </a:p>
-          <a:p>
-            <a:r>
-              <a:rPr lang="en-US" dirty="0"/>
-              <a:t>Resources – fine-grained configuration</a:t>
-            </a:r>
-          </a:p>
-          <a:p>
-            <a:r>
-              <a:rPr lang="en-US" dirty="0"/>
-              <a:t>Recipes – collection of resources</a:t>
-            </a:r>
-          </a:p>
-          <a:p>
-            <a:r>
-              <a:rPr lang="en-US" dirty="0"/>
-              <a:t>Cookbooks – collection of recipes and attributes</a:t>
-            </a:r>
-          </a:p>
-          <a:p>
-            <a:r>
-              <a:rPr lang="en-US" dirty="0"/>
-              <a:t>Roles – collections of recipes and attributes</a:t>
-            </a:r>
-          </a:p>
-          <a:p>
-            <a:r>
-              <a:rPr lang="en-US" dirty="0"/>
-              <a:t>Environments – collection of nodes, attributes, and version constraints</a:t>
+              <a:t>Increases productivity</a:t>
+            </a:r>
+          </a:p>
+          <a:p>
+            <a:r>
+              <a:rPr lang="en-US" dirty="0"/>
+              <a:t>Increases consistency</a:t>
+            </a:r>
+          </a:p>
+          <a:p>
+            <a:r>
+              <a:rPr lang="en-US" dirty="0"/>
+              <a:t>Increases confidence</a:t>
             </a:r>
           </a:p>
         </p:txBody>
@@ -7407,7 +7563,7 @@
           <a:p>
             <a:r>
               <a:rPr lang="en-US" dirty="0"/>
-              <a:t>Chef Basics</a:t>
+              <a:t>Why Chef?</a:t>
             </a:r>
           </a:p>
         </p:txBody>
@@ -7415,7 +7571,7 @@
     </p:spTree>
     <p:extLst>
       <p:ext uri="{BB962C8B-B14F-4D97-AF65-F5344CB8AC3E}">
-        <p14:creationId xmlns:p14="http://schemas.microsoft.com/office/powerpoint/2010/main" val="1955080896"/>
+        <p14:creationId xmlns:p14="http://schemas.microsoft.com/office/powerpoint/2010/main" val="4099515151"/>
       </p:ext>
     </p:extLst>
   </p:cSld>
@@ -7461,6 +7617,137 @@
         <p:spPr/>
         <p:txBody>
           <a:bodyPr>
+            <a:normAutofit fontScale="85000" lnSpcReduction="20000"/>
+          </a:bodyPr>
+          <a:lstStyle/>
+          <a:p>
+            <a:r>
+              <a:rPr lang="en-US" dirty="0"/>
+              <a:t>Nodes – final result of a Chef run</a:t>
+            </a:r>
+          </a:p>
+          <a:p>
+            <a:pPr lvl="1"/>
+            <a:r>
+              <a:rPr lang="en-US" dirty="0"/>
+              <a:t>Run list</a:t>
+            </a:r>
+          </a:p>
+          <a:p>
+            <a:r>
+              <a:rPr lang="en-US" dirty="0"/>
+              <a:t>Attributes – data</a:t>
+            </a:r>
+          </a:p>
+          <a:p>
+            <a:r>
+              <a:rPr lang="en-US" dirty="0"/>
+              <a:t>Resources – fine-grained configuration</a:t>
+            </a:r>
+          </a:p>
+          <a:p>
+            <a:r>
+              <a:rPr lang="en-US" dirty="0"/>
+              <a:t>Recipes – collection of resources</a:t>
+            </a:r>
+          </a:p>
+          <a:p>
+            <a:r>
+              <a:rPr lang="en-US" dirty="0"/>
+              <a:t>Cookbooks – collection of recipes and attributes</a:t>
+            </a:r>
+          </a:p>
+          <a:p>
+            <a:r>
+              <a:rPr lang="en-US" dirty="0"/>
+              <a:t>Roles – collections of recipes and attributes</a:t>
+            </a:r>
+          </a:p>
+          <a:p>
+            <a:r>
+              <a:rPr lang="en-US" dirty="0"/>
+              <a:t>Environments – collection of nodes, attributes, and version constraints</a:t>
+            </a:r>
+          </a:p>
+        </p:txBody>
+      </p:sp>
+      <p:sp>
+        <p:nvSpPr>
+          <p:cNvPr id="3" name="Title 2">
+            <a:extLst>
+              <a:ext uri="{FF2B5EF4-FFF2-40B4-BE49-F238E27FC236}">
+                <a16:creationId xmlns:a16="http://schemas.microsoft.com/office/drawing/2014/main" id="{43DB32CC-EAD9-48E4-9020-75F2BA57460C}"/>
+              </a:ext>
+            </a:extLst>
+          </p:cNvPr>
+          <p:cNvSpPr>
+            <a:spLocks noGrp="1"/>
+          </p:cNvSpPr>
+          <p:nvPr>
+            <p:ph type="title"/>
+          </p:nvPr>
+        </p:nvSpPr>
+        <p:spPr/>
+        <p:txBody>
+          <a:bodyPr/>
+          <a:lstStyle/>
+          <a:p>
+            <a:r>
+              <a:rPr lang="en-US" dirty="0"/>
+              <a:t>Chef Basics</a:t>
+            </a:r>
+          </a:p>
+        </p:txBody>
+      </p:sp>
+    </p:spTree>
+    <p:extLst>
+      <p:ext uri="{BB962C8B-B14F-4D97-AF65-F5344CB8AC3E}">
+        <p14:creationId xmlns:p14="http://schemas.microsoft.com/office/powerpoint/2010/main" val="1955080896"/>
+      </p:ext>
+    </p:extLst>
+  </p:cSld>
+  <p:clrMapOvr>
+    <a:masterClrMapping/>
+  </p:clrMapOvr>
+</p:sld>
+</file>
+
+<file path=ppt/slides/slide7.xml><?xml version="1.0" encoding="utf-8"?>
+<p:sld xmlns:a="http://schemas.openxmlformats.org/drawingml/2006/main" xmlns:r="http://schemas.openxmlformats.org/officeDocument/2006/relationships" xmlns:p="http://schemas.openxmlformats.org/presentationml/2006/main">
+  <p:cSld>
+    <p:spTree>
+      <p:nvGrpSpPr>
+        <p:cNvPr id="1" name=""/>
+        <p:cNvGrpSpPr/>
+        <p:nvPr/>
+      </p:nvGrpSpPr>
+      <p:grpSpPr>
+        <a:xfrm>
+          <a:off x="0" y="0"/>
+          <a:ext cx="0" cy="0"/>
+          <a:chOff x="0" y="0"/>
+          <a:chExt cx="0" cy="0"/>
+        </a:xfrm>
+      </p:grpSpPr>
+      <p:sp>
+        <p:nvSpPr>
+          <p:cNvPr id="2" name="Text Placeholder 1">
+            <a:extLst>
+              <a:ext uri="{FF2B5EF4-FFF2-40B4-BE49-F238E27FC236}">
+                <a16:creationId xmlns:a16="http://schemas.microsoft.com/office/drawing/2014/main" id="{737FAFFC-A303-40D3-9011-723640C1D727}"/>
+              </a:ext>
+            </a:extLst>
+          </p:cNvPr>
+          <p:cNvSpPr>
+            <a:spLocks noGrp="1"/>
+          </p:cNvSpPr>
+          <p:nvPr>
+            <p:ph type="body" sz="quarter" idx="10"/>
+          </p:nvPr>
+        </p:nvSpPr>
+        <p:spPr/>
+        <p:txBody>
+          <a:bodyPr>
             <a:normAutofit/>
           </a:bodyPr>
           <a:lstStyle/>
@@ -7558,7 +7845,7 @@
 </p:sld>
 </file>
 
-<file path=ppt/slides/slide7.xml><?xml version="1.0" encoding="utf-8"?>
+<file path=ppt/slides/slide8.xml><?xml version="1.0" encoding="utf-8"?>
 <p:sld xmlns:a="http://schemas.openxmlformats.org/drawingml/2006/main" xmlns:r="http://schemas.openxmlformats.org/officeDocument/2006/relationships" xmlns:p="http://schemas.openxmlformats.org/presentationml/2006/main">
   <p:cSld>
     <p:spTree>
@@ -7647,132 +7934,6 @@
 </p:sld>
 </file>
 
-<file path=ppt/slides/slide8.xml><?xml version="1.0" encoding="utf-8"?>
-<p:sld xmlns:a="http://schemas.openxmlformats.org/drawingml/2006/main" xmlns:r="http://schemas.openxmlformats.org/officeDocument/2006/relationships" xmlns:p="http://schemas.openxmlformats.org/presentationml/2006/main">
-  <p:cSld>
-    <p:spTree>
-      <p:nvGrpSpPr>
-        <p:cNvPr id="1" name=""/>
-        <p:cNvGrpSpPr/>
-        <p:nvPr/>
-      </p:nvGrpSpPr>
-      <p:grpSpPr>
-        <a:xfrm>
-          <a:off x="0" y="0"/>
-          <a:ext cx="0" cy="0"/>
-          <a:chOff x="0" y="0"/>
-          <a:chExt cx="0" cy="0"/>
-        </a:xfrm>
-      </p:grpSpPr>
-      <p:sp>
-        <p:nvSpPr>
-          <p:cNvPr id="2" name="Text Placeholder 1">
-            <a:extLst>
-              <a:ext uri="{FF2B5EF4-FFF2-40B4-BE49-F238E27FC236}">
-                <a16:creationId xmlns:a16="http://schemas.microsoft.com/office/drawing/2014/main" id="{737FAFFC-A303-40D3-9011-723640C1D727}"/>
-              </a:ext>
-            </a:extLst>
-          </p:cNvPr>
-          <p:cNvSpPr>
-            <a:spLocks noGrp="1"/>
-          </p:cNvSpPr>
-          <p:nvPr>
-            <p:ph type="body" sz="quarter" idx="10"/>
-          </p:nvPr>
-        </p:nvSpPr>
-        <p:spPr/>
-        <p:txBody>
-          <a:bodyPr>
-            <a:normAutofit/>
-          </a:bodyPr>
-          <a:lstStyle/>
-          <a:p>
-            <a:r>
-              <a:rPr lang="en-US" dirty="0"/>
-              <a:t>Chef Automate</a:t>
-            </a:r>
-          </a:p>
-          <a:p>
-            <a:pPr lvl="1"/>
-            <a:r>
-              <a:rPr lang="en-US" dirty="0"/>
-              <a:t>Compliance Pipeline</a:t>
-            </a:r>
-          </a:p>
-          <a:p>
-            <a:pPr lvl="1"/>
-            <a:r>
-              <a:rPr lang="en-US" dirty="0" err="1"/>
-              <a:t>InSpec</a:t>
-            </a:r>
-            <a:endParaRPr lang="en-US" dirty="0"/>
-          </a:p>
-          <a:p>
-            <a:r>
-              <a:rPr lang="en-US" dirty="0"/>
-              <a:t>Habitat</a:t>
-            </a:r>
-          </a:p>
-          <a:p>
-            <a:pPr lvl="1"/>
-            <a:r>
-              <a:rPr lang="en-US" dirty="0"/>
-              <a:t>Application lifecycle configuration</a:t>
-            </a:r>
-          </a:p>
-          <a:p>
-            <a:pPr lvl="1"/>
-            <a:r>
-              <a:rPr lang="en-US" dirty="0"/>
-              <a:t>Alternative to Chef</a:t>
-            </a:r>
-          </a:p>
-          <a:p>
-            <a:endParaRPr lang="en-US" dirty="0"/>
-          </a:p>
-        </p:txBody>
-      </p:sp>
-      <p:sp>
-        <p:nvSpPr>
-          <p:cNvPr id="3" name="Title 2">
-            <a:extLst>
-              <a:ext uri="{FF2B5EF4-FFF2-40B4-BE49-F238E27FC236}">
-                <a16:creationId xmlns:a16="http://schemas.microsoft.com/office/drawing/2014/main" id="{43DB32CC-EAD9-48E4-9020-75F2BA57460C}"/>
-              </a:ext>
-            </a:extLst>
-          </p:cNvPr>
-          <p:cNvSpPr>
-            <a:spLocks noGrp="1"/>
-          </p:cNvSpPr>
-          <p:nvPr>
-            <p:ph type="title"/>
-          </p:nvPr>
-        </p:nvSpPr>
-        <p:spPr/>
-        <p:txBody>
-          <a:bodyPr/>
-          <a:lstStyle/>
-          <a:p>
-            <a:r>
-              <a:rPr lang="en-US" dirty="0"/>
-              <a:t>Next Steps</a:t>
-            </a:r>
-          </a:p>
-        </p:txBody>
-      </p:sp>
-    </p:spTree>
-    <p:extLst>
-      <p:ext uri="{BB962C8B-B14F-4D97-AF65-F5344CB8AC3E}">
-        <p14:creationId xmlns:p14="http://schemas.microsoft.com/office/powerpoint/2010/main" val="192993823"/>
-      </p:ext>
-    </p:extLst>
-  </p:cSld>
-  <p:clrMapOvr>
-    <a:masterClrMapping/>
-  </p:clrMapOvr>
-</p:sld>
-</file>
-
 <file path=ppt/slides/slide9.xml><?xml version="1.0" encoding="utf-8"?>
 <p:sld xmlns:a="http://schemas.openxmlformats.org/drawingml/2006/main" xmlns:r="http://schemas.openxmlformats.org/officeDocument/2006/relationships" xmlns:p="http://schemas.openxmlformats.org/presentationml/2006/main">
   <p:cSld>
@@ -7792,34 +7953,6 @@
       </p:grpSpPr>
       <p:sp>
         <p:nvSpPr>
-          <p:cNvPr id="4" name="Title 3">
-            <a:extLst>
-              <a:ext uri="{FF2B5EF4-FFF2-40B4-BE49-F238E27FC236}">
-                <a16:creationId xmlns:a16="http://schemas.microsoft.com/office/drawing/2014/main" id="{F6CBE1BB-3B85-4277-A077-A95B0843161E}"/>
-              </a:ext>
-            </a:extLst>
-          </p:cNvPr>
-          <p:cNvSpPr>
-            <a:spLocks noGrp="1"/>
-          </p:cNvSpPr>
-          <p:nvPr>
-            <p:ph type="title"/>
-          </p:nvPr>
-        </p:nvSpPr>
-        <p:spPr/>
-        <p:txBody>
-          <a:bodyPr/>
-          <a:lstStyle/>
-          <a:p>
-            <a:r>
-              <a:rPr lang="en-US" dirty="0"/>
-              <a:t>Questions?</a:t>
-            </a:r>
-          </a:p>
-        </p:txBody>
-      </p:sp>
-      <p:sp>
-        <p:nvSpPr>
           <p:cNvPr id="2" name="Text Placeholder 1">
             <a:extLst>
               <a:ext uri="{FF2B5EF4-FFF2-40B4-BE49-F238E27FC236}">
@@ -7837,46 +7970,79 @@
         <p:spPr/>
         <p:txBody>
           <a:bodyPr>
-            <a:noAutofit/>
+            <a:normAutofit/>
           </a:bodyPr>
           <a:lstStyle/>
           <a:p>
-            <a:pPr marL="0" indent="0" algn="ctr">
-              <a:buNone/>
-            </a:pPr>
-            <a:endParaRPr lang="en-US" sz="3600" dirty="0"/>
-          </a:p>
-          <a:p>
-            <a:pPr marL="0" indent="0" algn="ctr">
-              <a:buNone/>
-            </a:pPr>
-            <a:r>
-              <a:rPr lang="en-US" sz="3600" dirty="0"/>
-              <a:t>https://chef.io</a:t>
-            </a:r>
-          </a:p>
-          <a:p>
-            <a:pPr marL="0" indent="0" algn="ctr">
-              <a:buNone/>
-            </a:pPr>
-            <a:r>
-              <a:rPr lang="en-US" sz="3600" dirty="0"/>
-              <a:t>https://learn.chef.io</a:t>
-            </a:r>
-          </a:p>
-          <a:p>
-            <a:pPr marL="0" indent="0" algn="ctr">
-              <a:buNone/>
-            </a:pPr>
-            <a:endParaRPr lang="en-US" sz="3600" dirty="0"/>
-          </a:p>
-          <a:p>
-            <a:pPr marL="0" indent="0" algn="ctr">
-              <a:buNone/>
-            </a:pPr>
-            <a:r>
-              <a:rPr lang="en-US" sz="2400" dirty="0"/>
-              <a:t>corey.sullivan@centare.com</a:t>
+            <a:r>
+              <a:rPr lang="en-US" dirty="0"/>
+              <a:t>Chef Automate</a:t>
+            </a:r>
+          </a:p>
+          <a:p>
+            <a:pPr lvl="1"/>
+            <a:r>
+              <a:rPr lang="en-US" dirty="0"/>
+              <a:t>Compliance Pipeline</a:t>
+            </a:r>
+          </a:p>
+          <a:p>
+            <a:pPr lvl="1"/>
+            <a:r>
+              <a:rPr lang="en-US" dirty="0" err="1"/>
+              <a:t>InSpec</a:t>
+            </a:r>
+            <a:endParaRPr lang="en-US" dirty="0"/>
+          </a:p>
+          <a:p>
+            <a:r>
+              <a:rPr lang="en-US" dirty="0"/>
+              <a:t>Habitat</a:t>
+            </a:r>
+          </a:p>
+          <a:p>
+            <a:pPr lvl="1"/>
+            <a:r>
+              <a:rPr lang="en-US" dirty="0"/>
+              <a:t>Application lifecycle configuration</a:t>
+            </a:r>
+          </a:p>
+          <a:p>
+            <a:pPr lvl="1"/>
+            <a:r>
+              <a:rPr lang="en-US" dirty="0"/>
+              <a:t>Alternative to Chef</a:t>
+            </a:r>
+          </a:p>
+          <a:p>
+            <a:endParaRPr lang="en-US" dirty="0"/>
+          </a:p>
+        </p:txBody>
+      </p:sp>
+      <p:sp>
+        <p:nvSpPr>
+          <p:cNvPr id="3" name="Title 2">
+            <a:extLst>
+              <a:ext uri="{FF2B5EF4-FFF2-40B4-BE49-F238E27FC236}">
+                <a16:creationId xmlns:a16="http://schemas.microsoft.com/office/drawing/2014/main" id="{43DB32CC-EAD9-48E4-9020-75F2BA57460C}"/>
+              </a:ext>
+            </a:extLst>
+          </p:cNvPr>
+          <p:cNvSpPr>
+            <a:spLocks noGrp="1"/>
+          </p:cNvSpPr>
+          <p:nvPr>
+            <p:ph type="title"/>
+          </p:nvPr>
+        </p:nvSpPr>
+        <p:spPr/>
+        <p:txBody>
+          <a:bodyPr/>
+          <a:lstStyle/>
+          <a:p>
+            <a:r>
+              <a:rPr lang="en-US" dirty="0"/>
+              <a:t>Next Steps</a:t>
             </a:r>
           </a:p>
         </p:txBody>
@@ -7884,7 +8050,7 @@
     </p:spTree>
     <p:extLst>
       <p:ext uri="{BB962C8B-B14F-4D97-AF65-F5344CB8AC3E}">
-        <p14:creationId xmlns:p14="http://schemas.microsoft.com/office/powerpoint/2010/main" val="3925104244"/>
+        <p14:creationId xmlns:p14="http://schemas.microsoft.com/office/powerpoint/2010/main" val="192993823"/>
       </p:ext>
     </p:extLst>
   </p:cSld>
@@ -8999,21 +9165,21 @@
 </file>
 
 <file path=customXml/item2.xml><?xml version="1.0" encoding="utf-8"?>
+<?mso-contentType ?>
+<FormTemplates xmlns="http://schemas.microsoft.com/sharepoint/v3/contenttype/forms">
+  <Display>DocumentLibraryForm</Display>
+  <Edit>DocumentLibraryForm</Edit>
+  <New>DocumentLibraryForm</New>
+</FormTemplates>
+</file>
+
+<file path=customXml/item3.xml><?xml version="1.0" encoding="utf-8"?>
 <p:properties xmlns:p="http://schemas.microsoft.com/office/2006/metadata/properties" xmlns:xsi="http://www.w3.org/2001/XMLSchema-instance" xmlns:pc="http://schemas.microsoft.com/office/infopath/2007/PartnerControls">
   <documentManagement>
     <_Version xmlns="http://schemas.microsoft.com/sharepoint/v3/fields" xsi:nil="true"/>
     <_Status xmlns="http://schemas.microsoft.com/sharepoint/v3/fields">Not Started</_Status>
   </documentManagement>
 </p:properties>
-</file>
-
-<file path=customXml/item3.xml><?xml version="1.0" encoding="utf-8"?>
-<?mso-contentType ?>
-<FormTemplates xmlns="http://schemas.microsoft.com/sharepoint/v3/contenttype/forms">
-  <Display>DocumentLibraryForm</Display>
-  <Edit>DocumentLibraryForm</Edit>
-  <New>DocumentLibraryForm</New>
-</FormTemplates>
 </file>
 
 <file path=customXml/itemProps1.xml><?xml version="1.0" encoding="utf-8"?>
@@ -9035,6 +9201,14 @@
 </file>
 
 <file path=customXml/itemProps2.xml><?xml version="1.0" encoding="utf-8"?>
+<ds:datastoreItem xmlns:ds="http://schemas.openxmlformats.org/officeDocument/2006/customXml" ds:itemID="{87D2A1B0-FF3E-4009-940D-AED0EB70AA20}">
+  <ds:schemaRefs>
+    <ds:schemaRef ds:uri="http://schemas.microsoft.com/sharepoint/v3/contenttype/forms"/>
+  </ds:schemaRefs>
+</ds:datastoreItem>
+</file>
+
+<file path=customXml/itemProps3.xml><?xml version="1.0" encoding="utf-8"?>
 <ds:datastoreItem xmlns:ds="http://schemas.openxmlformats.org/officeDocument/2006/customXml" ds:itemID="{7B6F2769-7194-4217-93D3-3AF3A4742282}">
   <ds:schemaRefs>
     <ds:schemaRef ds:uri="http://purl.org/dc/dcmitype/"/>
@@ -9048,12 +9222,4 @@
     <ds:schemaRef ds:uri="http://www.w3.org/XML/1998/namespace"/>
   </ds:schemaRefs>
 </ds:datastoreItem>
-</file>
-
-<file path=customXml/itemProps3.xml><?xml version="1.0" encoding="utf-8"?>
-<ds:datastoreItem xmlns:ds="http://schemas.openxmlformats.org/officeDocument/2006/customXml" ds:itemID="{87D2A1B0-FF3E-4009-940D-AED0EB70AA20}">
-  <ds:schemaRefs>
-    <ds:schemaRef ds:uri="http://schemas.microsoft.com/sharepoint/v3/contenttype/forms"/>
-  </ds:schemaRefs>
-</ds:datastoreItem>
 </file>
--- a/chef-qa-camp.pptx
+++ b/chef-qa-camp.pptx
@@ -121,25 +121,6 @@
     </a:lvl9pPr>
   </p:defaultTextStyle>
   <p:extLst>
-    <p:ext uri="{521415D9-36F7-43E2-AB2F-B90AF26B5E84}">
-      <p14:sectionLst xmlns:p14="http://schemas.microsoft.com/office/powerpoint/2010/main">
-        <p14:section name="Default Section" id="{70F80465-8BE6-4331-9270-7289C6028AE2}">
-          <p14:sldIdLst>
-            <p14:sldId id="256"/>
-            <p14:sldId id="387"/>
-            <p14:sldId id="395"/>
-            <p14:sldId id="394"/>
-            <p14:sldId id="388"/>
-            <p14:sldId id="389"/>
-            <p14:sldId id="390"/>
-            <p14:sldId id="391"/>
-            <p14:sldId id="392"/>
-            <p14:sldId id="393"/>
-            <p14:sldId id="386"/>
-          </p14:sldIdLst>
-        </p14:section>
-      </p14:sectionLst>
-    </p:ext>
     <p:ext uri="{EFAFB233-063F-42B5-8137-9DF3F51BA10A}">
       <p15:sldGuideLst xmlns:p15="http://schemas.microsoft.com/office/powerpoint/2012/main">
         <p15:guide id="1" orient="horz" pos="1620">
@@ -9165,21 +9146,21 @@
 </file>
 
 <file path=customXml/item2.xml><?xml version="1.0" encoding="utf-8"?>
+<p:properties xmlns:p="http://schemas.microsoft.com/office/2006/metadata/properties" xmlns:xsi="http://www.w3.org/2001/XMLSchema-instance" xmlns:pc="http://schemas.microsoft.com/office/infopath/2007/PartnerControls">
+  <documentManagement>
+    <_Version xmlns="http://schemas.microsoft.com/sharepoint/v3/fields" xsi:nil="true"/>
+    <_Status xmlns="http://schemas.microsoft.com/sharepoint/v3/fields">Not Started</_Status>
+  </documentManagement>
+</p:properties>
+</file>
+
+<file path=customXml/item3.xml><?xml version="1.0" encoding="utf-8"?>
 <?mso-contentType ?>
 <FormTemplates xmlns="http://schemas.microsoft.com/sharepoint/v3/contenttype/forms">
   <Display>DocumentLibraryForm</Display>
   <Edit>DocumentLibraryForm</Edit>
   <New>DocumentLibraryForm</New>
 </FormTemplates>
-</file>
-
-<file path=customXml/item3.xml><?xml version="1.0" encoding="utf-8"?>
-<p:properties xmlns:p="http://schemas.microsoft.com/office/2006/metadata/properties" xmlns:xsi="http://www.w3.org/2001/XMLSchema-instance" xmlns:pc="http://schemas.microsoft.com/office/infopath/2007/PartnerControls">
-  <documentManagement>
-    <_Version xmlns="http://schemas.microsoft.com/sharepoint/v3/fields" xsi:nil="true"/>
-    <_Status xmlns="http://schemas.microsoft.com/sharepoint/v3/fields">Not Started</_Status>
-  </documentManagement>
-</p:properties>
 </file>
 
 <file path=customXml/itemProps1.xml><?xml version="1.0" encoding="utf-8"?>
@@ -9201,14 +9182,6 @@
 </file>
 
 <file path=customXml/itemProps2.xml><?xml version="1.0" encoding="utf-8"?>
-<ds:datastoreItem xmlns:ds="http://schemas.openxmlformats.org/officeDocument/2006/customXml" ds:itemID="{87D2A1B0-FF3E-4009-940D-AED0EB70AA20}">
-  <ds:schemaRefs>
-    <ds:schemaRef ds:uri="http://schemas.microsoft.com/sharepoint/v3/contenttype/forms"/>
-  </ds:schemaRefs>
-</ds:datastoreItem>
-</file>
-
-<file path=customXml/itemProps3.xml><?xml version="1.0" encoding="utf-8"?>
 <ds:datastoreItem xmlns:ds="http://schemas.openxmlformats.org/officeDocument/2006/customXml" ds:itemID="{7B6F2769-7194-4217-93D3-3AF3A4742282}">
   <ds:schemaRefs>
     <ds:schemaRef ds:uri="http://purl.org/dc/dcmitype/"/>
@@ -9222,4 +9195,12 @@
     <ds:schemaRef ds:uri="http://www.w3.org/XML/1998/namespace"/>
   </ds:schemaRefs>
 </ds:datastoreItem>
+</file>
+
+<file path=customXml/itemProps3.xml><?xml version="1.0" encoding="utf-8"?>
+<ds:datastoreItem xmlns:ds="http://schemas.openxmlformats.org/officeDocument/2006/customXml" ds:itemID="{87D2A1B0-FF3E-4009-940D-AED0EB70AA20}">
+  <ds:schemaRefs>
+    <ds:schemaRef ds:uri="http://schemas.microsoft.com/sharepoint/v3/contenttype/forms"/>
+  </ds:schemaRefs>
+</ds:datastoreItem>
 </file>
--- a/chef-qa-camp.pptx
+++ b/chef-qa-camp.pptx
@@ -1736,36 +1736,7 @@
           <a:bodyPr/>
           <a:lstStyle/>
           <a:p>
-            <a:r>
-              <a:rPr lang="en-US" dirty="0"/>
-              <a:t>Chef Automate is a compliance pipeline. Beyond managing configuration with Chef Server, it provides monitoring for node compliance. Compliance tests are executed periodically against nodes. These nodes can be corrected with further automation with Chef.</a:t>
-            </a:r>
-          </a:p>
-          <a:p>
             <a:endParaRPr lang="en-US" dirty="0"/>
-          </a:p>
-          <a:p>
-            <a:r>
-              <a:rPr lang="en-US" dirty="0"/>
-              <a:t>The compliance tests are </a:t>
-            </a:r>
-            <a:r>
-              <a:rPr lang="en-US" dirty="0" err="1"/>
-              <a:t>InSpec</a:t>
-            </a:r>
-            <a:r>
-              <a:rPr lang="en-US" dirty="0"/>
-              <a:t> tests as shown in the demo.</a:t>
-            </a:r>
-          </a:p>
-          <a:p>
-            <a:endParaRPr lang="en-US" dirty="0"/>
-          </a:p>
-          <a:p>
-            <a:r>
-              <a:rPr lang="en-US" dirty="0"/>
-              <a:t>Habitat is an alternative to Chef that focuses on automating the whole application lifecycle. Build, packaging (as containers), and deployment. Brand-new offering.</a:t>
-            </a:r>
           </a:p>
         </p:txBody>
       </p:sp>
@@ -6967,7 +6938,7 @@
               <a:buNone/>
             </a:pPr>
             <a:r>
-              <a:rPr lang="en-US" sz="3600" dirty="0"/>
+              <a:rPr lang="en-US" sz="2400" dirty="0"/>
               <a:t>https://chef.io</a:t>
             </a:r>
           </a:p>
@@ -6976,8 +6947,26 @@
               <a:buNone/>
             </a:pPr>
             <a:r>
-              <a:rPr lang="en-US" sz="3600" dirty="0"/>
+              <a:rPr lang="en-US" sz="2400" dirty="0"/>
               <a:t>https://learn.chef.io</a:t>
+            </a:r>
+          </a:p>
+          <a:p>
+            <a:pPr marL="0" indent="0" algn="ctr">
+              <a:buNone/>
+            </a:pPr>
+            <a:r>
+              <a:rPr lang="en-US" sz="2400" dirty="0"/>
+              <a:t>https://github.com/sullivac/cps_users</a:t>
+            </a:r>
+          </a:p>
+          <a:p>
+            <a:pPr marL="0" indent="0" algn="ctr">
+              <a:buNone/>
+            </a:pPr>
+            <a:r>
+              <a:rPr lang="en-US" sz="2400" dirty="0"/>
+              <a:t>https://github.com/sullivac/cps_website</a:t>
             </a:r>
           </a:p>
           <a:p>
@@ -9146,21 +9135,21 @@
 </file>
 
 <file path=customXml/item2.xml><?xml version="1.0" encoding="utf-8"?>
+<?mso-contentType ?>
+<FormTemplates xmlns="http://schemas.microsoft.com/sharepoint/v3/contenttype/forms">
+  <Display>DocumentLibraryForm</Display>
+  <Edit>DocumentLibraryForm</Edit>
+  <New>DocumentLibraryForm</New>
+</FormTemplates>
+</file>
+
+<file path=customXml/item3.xml><?xml version="1.0" encoding="utf-8"?>
 <p:properties xmlns:p="http://schemas.microsoft.com/office/2006/metadata/properties" xmlns:xsi="http://www.w3.org/2001/XMLSchema-instance" xmlns:pc="http://schemas.microsoft.com/office/infopath/2007/PartnerControls">
   <documentManagement>
     <_Version xmlns="http://schemas.microsoft.com/sharepoint/v3/fields" xsi:nil="true"/>
     <_Status xmlns="http://schemas.microsoft.com/sharepoint/v3/fields">Not Started</_Status>
   </documentManagement>
 </p:properties>
-</file>
-
-<file path=customXml/item3.xml><?xml version="1.0" encoding="utf-8"?>
-<?mso-contentType ?>
-<FormTemplates xmlns="http://schemas.microsoft.com/sharepoint/v3/contenttype/forms">
-  <Display>DocumentLibraryForm</Display>
-  <Edit>DocumentLibraryForm</Edit>
-  <New>DocumentLibraryForm</New>
-</FormTemplates>
 </file>
 
 <file path=customXml/itemProps1.xml><?xml version="1.0" encoding="utf-8"?>
@@ -9182,6 +9171,14 @@
 </file>
 
 <file path=customXml/itemProps2.xml><?xml version="1.0" encoding="utf-8"?>
+<ds:datastoreItem xmlns:ds="http://schemas.openxmlformats.org/officeDocument/2006/customXml" ds:itemID="{87D2A1B0-FF3E-4009-940D-AED0EB70AA20}">
+  <ds:schemaRefs>
+    <ds:schemaRef ds:uri="http://schemas.microsoft.com/sharepoint/v3/contenttype/forms"/>
+  </ds:schemaRefs>
+</ds:datastoreItem>
+</file>
+
+<file path=customXml/itemProps3.xml><?xml version="1.0" encoding="utf-8"?>
 <ds:datastoreItem xmlns:ds="http://schemas.openxmlformats.org/officeDocument/2006/customXml" ds:itemID="{7B6F2769-7194-4217-93D3-3AF3A4742282}">
   <ds:schemaRefs>
     <ds:schemaRef ds:uri="http://purl.org/dc/dcmitype/"/>
@@ -9195,12 +9192,4 @@
     <ds:schemaRef ds:uri="http://www.w3.org/XML/1998/namespace"/>
   </ds:schemaRefs>
 </ds:datastoreItem>
-</file>
-
-<file path=customXml/itemProps3.xml><?xml version="1.0" encoding="utf-8"?>
-<ds:datastoreItem xmlns:ds="http://schemas.openxmlformats.org/officeDocument/2006/customXml" ds:itemID="{87D2A1B0-FF3E-4009-940D-AED0EB70AA20}">
-  <ds:schemaRefs>
-    <ds:schemaRef ds:uri="http://schemas.microsoft.com/sharepoint/v3/contenttype/forms"/>
-  </ds:schemaRefs>
-</ds:datastoreItem>
 </file>